--- a/미래의클라우드네이티브.pptx
+++ b/미래의클라우드네이티브.pptx
@@ -6,9 +6,13 @@
   </p:sldMasterIdLst>
   <p:sldIdLst>
     <p:sldId id="256" r:id="rId2"/>
-    <p:sldId id="258" r:id="rId3"/>
-    <p:sldId id="259" r:id="rId4"/>
-    <p:sldId id="257" r:id="rId5"/>
+    <p:sldId id="260" r:id="rId3"/>
+    <p:sldId id="261" r:id="rId4"/>
+    <p:sldId id="258" r:id="rId5"/>
+    <p:sldId id="259" r:id="rId6"/>
+    <p:sldId id="257" r:id="rId7"/>
+    <p:sldId id="262" r:id="rId8"/>
+    <p:sldId id="263" r:id="rId9"/>
   </p:sldIdLst>
   <p:sldSz cx="12192000" cy="6858000"/>
   <p:notesSz cx="6858000" cy="9144000"/>
@@ -107,6 +111,11 @@
       </a:defRPr>
     </a:lvl9pPr>
   </p:defaultTextStyle>
+  <p:extLst>
+    <p:ext uri="{EFAFB233-063F-42B5-8137-9DF3F51BA10A}">
+      <p15:sldGuideLst xmlns:p15="http://schemas.microsoft.com/office/powerpoint/2012/main"/>
+    </p:ext>
+  </p:extLst>
 </p:presentation>
 </file>
 
@@ -2977,7 +2986,12 @@
             <p:ph type="ctrTitle"/>
           </p:nvPr>
         </p:nvSpPr>
-        <p:spPr/>
+        <p:spPr>
+          <a:xfrm>
+            <a:off x="1524000" y="606669"/>
+            <a:ext cx="9144000" cy="1030532"/>
+          </a:xfrm>
+        </p:spPr>
         <p:txBody>
           <a:bodyPr/>
           <a:lstStyle/>
@@ -3008,19 +3022,73 @@
             <p:ph type="subTitle" idx="1"/>
           </p:nvPr>
         </p:nvSpPr>
-        <p:spPr/>
+        <p:spPr>
+          <a:xfrm>
+            <a:off x="1524000" y="1957876"/>
+            <a:ext cx="9144000" cy="512762"/>
+          </a:xfrm>
+        </p:spPr>
         <p:txBody>
           <a:bodyPr/>
           <a:lstStyle/>
           <a:p>
             <a:r>
-              <a:rPr lang="ko-KR" altLang="en-US" dirty="0" smtClean="0"/>
-              <a:t>마이크로 서비스</a:t>
+              <a:rPr lang="en-US" altLang="ko-KR" dirty="0" err="1" smtClean="0"/>
+              <a:t>Container+MSA+CI</a:t>
+            </a:r>
+            <a:r>
+              <a:rPr lang="en-US" altLang="ko-KR" dirty="0" smtClean="0"/>
+              <a:t>/</a:t>
+            </a:r>
+            <a:r>
+              <a:rPr lang="en-US" altLang="ko-KR" dirty="0" err="1" smtClean="0"/>
+              <a:t>CD+Agile+DevOps</a:t>
             </a:r>
             <a:endParaRPr lang="ko-KR" altLang="en-US" dirty="0"/>
           </a:p>
         </p:txBody>
       </p:sp>
+      <p:pic>
+        <p:nvPicPr>
+          <p:cNvPr id="1026" name="Picture 2" descr="http://newsroom.koscom.co.kr/wp-content/uploads/2022/04/05.png"/>
+          <p:cNvPicPr>
+            <a:picLocks noChangeAspect="1" noChangeArrowheads="1"/>
+          </p:cNvPicPr>
+          <p:nvPr/>
+        </p:nvPicPr>
+        <p:blipFill>
+          <a:blip r:embed="rId2">
+            <a:extLst>
+              <a:ext uri="{28A0092B-C50C-407E-A947-70E740481C1C}">
+                <a14:useLocalDpi xmlns:a14="http://schemas.microsoft.com/office/drawing/2010/main" val="0"/>
+              </a:ext>
+            </a:extLst>
+          </a:blip>
+          <a:srcRect/>
+          <a:stretch>
+            <a:fillRect/>
+          </a:stretch>
+        </p:blipFill>
+        <p:spPr bwMode="auto">
+          <a:xfrm>
+            <a:off x="3622431" y="3102348"/>
+            <a:ext cx="5202360" cy="2449445"/>
+          </a:xfrm>
+          <a:prstGeom prst="rect">
+            <a:avLst/>
+          </a:prstGeom>
+          <a:noFill/>
+          <a:extLst>
+            <a:ext uri="{909E8E84-426E-40DD-AFC4-6F175D3DCCD1}">
+              <a14:hiddenFill xmlns:a14="http://schemas.microsoft.com/office/drawing/2010/main">
+                <a:solidFill>
+                  <a:srgbClr val="FFFFFF"/>
+                </a:solidFill>
+              </a14:hiddenFill>
+            </a:ext>
+          </a:extLst>
+        </p:spPr>
+      </p:pic>
     </p:spTree>
     <p:extLst>
       <p:ext uri="{BB962C8B-B14F-4D97-AF65-F5344CB8AC3E}">
@@ -3035,6 +3103,362 @@
 </file>
 
 <file path=ppt/slides/slide2.xml><?xml version="1.0" encoding="utf-8"?>
+<p:sld xmlns:a="http://schemas.openxmlformats.org/drawingml/2006/main" xmlns:r="http://schemas.openxmlformats.org/officeDocument/2006/relationships" xmlns:p="http://schemas.openxmlformats.org/presentationml/2006/main">
+  <p:cSld>
+    <p:spTree>
+      <p:nvGrpSpPr>
+        <p:cNvPr id="1" name=""/>
+        <p:cNvGrpSpPr/>
+        <p:nvPr/>
+      </p:nvGrpSpPr>
+      <p:grpSpPr>
+        <a:xfrm>
+          <a:off x="0" y="0"/>
+          <a:ext cx="0" cy="0"/>
+          <a:chOff x="0" y="0"/>
+          <a:chExt cx="0" cy="0"/>
+        </a:xfrm>
+      </p:grpSpPr>
+      <p:sp>
+        <p:nvSpPr>
+          <p:cNvPr id="2" name="제목 1"/>
+          <p:cNvSpPr>
+            <a:spLocks noGrp="1"/>
+          </p:cNvSpPr>
+          <p:nvPr>
+            <p:ph type="title"/>
+          </p:nvPr>
+        </p:nvSpPr>
+        <p:spPr/>
+        <p:txBody>
+          <a:bodyPr/>
+          <a:lstStyle/>
+          <a:p>
+            <a:r>
+              <a:rPr lang="ko-KR" altLang="en-US" dirty="0" err="1" smtClean="0"/>
+              <a:t>클라우드</a:t>
+            </a:r>
+            <a:r>
+              <a:rPr lang="ko-KR" altLang="en-US" dirty="0" smtClean="0"/>
+              <a:t> 전환 전략</a:t>
+            </a:r>
+            <a:endParaRPr lang="ko-KR" altLang="en-US" dirty="0"/>
+          </a:p>
+        </p:txBody>
+      </p:sp>
+      <p:pic>
+        <p:nvPicPr>
+          <p:cNvPr id="2050" name="Picture 2" descr="http://newsroom.koscom.co.kr/wp-content/uploads/2022/04/03.png"/>
+          <p:cNvPicPr>
+            <a:picLocks noChangeAspect="1" noChangeArrowheads="1"/>
+          </p:cNvPicPr>
+          <p:nvPr/>
+        </p:nvPicPr>
+        <p:blipFill>
+          <a:blip r:embed="rId2">
+            <a:extLst>
+              <a:ext uri="{28A0092B-C50C-407E-A947-70E740481C1C}">
+                <a14:useLocalDpi xmlns:a14="http://schemas.microsoft.com/office/drawing/2010/main" val="0"/>
+              </a:ext>
+            </a:extLst>
+          </a:blip>
+          <a:srcRect/>
+          <a:stretch>
+            <a:fillRect/>
+          </a:stretch>
+        </p:blipFill>
+        <p:spPr bwMode="auto">
+          <a:xfrm>
+            <a:off x="838200" y="1831365"/>
+            <a:ext cx="9144000" cy="3543300"/>
+          </a:xfrm>
+          <a:prstGeom prst="rect">
+            <a:avLst/>
+          </a:prstGeom>
+          <a:noFill/>
+          <a:extLst>
+            <a:ext uri="{909E8E84-426E-40DD-AFC4-6F175D3DCCD1}">
+              <a14:hiddenFill xmlns:a14="http://schemas.microsoft.com/office/drawing/2010/main">
+                <a:solidFill>
+                  <a:srgbClr val="FFFFFF"/>
+                </a:solidFill>
+              </a14:hiddenFill>
+            </a:ext>
+          </a:extLst>
+        </p:spPr>
+      </p:pic>
+    </p:spTree>
+    <p:extLst>
+      <p:ext uri="{BB962C8B-B14F-4D97-AF65-F5344CB8AC3E}">
+        <p14:creationId xmlns:p14="http://schemas.microsoft.com/office/powerpoint/2010/main" val="3352928332"/>
+      </p:ext>
+    </p:extLst>
+  </p:cSld>
+  <p:clrMapOvr>
+    <a:masterClrMapping/>
+  </p:clrMapOvr>
+</p:sld>
+</file>
+
+<file path=ppt/slides/slide3.xml><?xml version="1.0" encoding="utf-8"?>
+<p:sld xmlns:a="http://schemas.openxmlformats.org/drawingml/2006/main" xmlns:r="http://schemas.openxmlformats.org/officeDocument/2006/relationships" xmlns:p="http://schemas.openxmlformats.org/presentationml/2006/main">
+  <p:cSld>
+    <p:spTree>
+      <p:nvGrpSpPr>
+        <p:cNvPr id="1" name=""/>
+        <p:cNvGrpSpPr/>
+        <p:nvPr/>
+      </p:nvGrpSpPr>
+      <p:grpSpPr>
+        <a:xfrm>
+          <a:off x="0" y="0"/>
+          <a:ext cx="0" cy="0"/>
+          <a:chOff x="0" y="0"/>
+          <a:chExt cx="0" cy="0"/>
+        </a:xfrm>
+      </p:grpSpPr>
+      <p:sp>
+        <p:nvSpPr>
+          <p:cNvPr id="2" name="제목 1"/>
+          <p:cNvSpPr>
+            <a:spLocks noGrp="1"/>
+          </p:cNvSpPr>
+          <p:nvPr>
+            <p:ph type="title"/>
+          </p:nvPr>
+        </p:nvSpPr>
+        <p:spPr/>
+        <p:txBody>
+          <a:bodyPr/>
+          <a:lstStyle/>
+          <a:p>
+            <a:r>
+              <a:rPr lang="en-US" altLang="ko-KR" dirty="0" smtClean="0"/>
+              <a:t>Cloud Native Platform</a:t>
+            </a:r>
+            <a:endParaRPr lang="ko-KR" altLang="en-US" dirty="0"/>
+          </a:p>
+        </p:txBody>
+      </p:sp>
+      <p:pic>
+        <p:nvPicPr>
+          <p:cNvPr id="3076" name="Picture 4" descr="Azure로 만드는 간단한 Blog Site - ( 2편 ) | Popit"/>
+          <p:cNvPicPr>
+            <a:picLocks noChangeAspect="1" noChangeArrowheads="1"/>
+          </p:cNvPicPr>
+          <p:nvPr/>
+        </p:nvPicPr>
+        <p:blipFill>
+          <a:blip r:embed="rId2">
+            <a:extLst>
+              <a:ext uri="{28A0092B-C50C-407E-A947-70E740481C1C}">
+                <a14:useLocalDpi xmlns:a14="http://schemas.microsoft.com/office/drawing/2010/main" val="0"/>
+              </a:ext>
+            </a:extLst>
+          </a:blip>
+          <a:srcRect/>
+          <a:stretch>
+            <a:fillRect/>
+          </a:stretch>
+        </p:blipFill>
+        <p:spPr bwMode="auto">
+          <a:xfrm>
+            <a:off x="704623" y="2198603"/>
+            <a:ext cx="2742205" cy="1718163"/>
+          </a:xfrm>
+          <a:prstGeom prst="rect">
+            <a:avLst/>
+          </a:prstGeom>
+          <a:noFill/>
+          <a:extLst>
+            <a:ext uri="{909E8E84-426E-40DD-AFC4-6F175D3DCCD1}">
+              <a14:hiddenFill xmlns:a14="http://schemas.microsoft.com/office/drawing/2010/main">
+                <a:solidFill>
+                  <a:srgbClr val="FFFFFF"/>
+                </a:solidFill>
+              </a14:hiddenFill>
+            </a:ext>
+          </a:extLst>
+        </p:spPr>
+      </p:pic>
+      <p:pic>
+        <p:nvPicPr>
+          <p:cNvPr id="3078" name="Picture 6" descr="쿠버네티스 Kubernetes] 쿠버네티스 기초 : 네이버 블로그"/>
+          <p:cNvPicPr>
+            <a:picLocks noChangeAspect="1" noChangeArrowheads="1"/>
+          </p:cNvPicPr>
+          <p:nvPr/>
+        </p:nvPicPr>
+        <p:blipFill>
+          <a:blip r:embed="rId3">
+            <a:extLst>
+              <a:ext uri="{28A0092B-C50C-407E-A947-70E740481C1C}">
+                <a14:useLocalDpi xmlns:a14="http://schemas.microsoft.com/office/drawing/2010/main" val="0"/>
+              </a:ext>
+            </a:extLst>
+          </a:blip>
+          <a:srcRect/>
+          <a:stretch>
+            <a:fillRect/>
+          </a:stretch>
+        </p:blipFill>
+        <p:spPr bwMode="auto">
+          <a:xfrm>
+            <a:off x="3701562" y="1763787"/>
+            <a:ext cx="3520098" cy="2354066"/>
+          </a:xfrm>
+          <a:prstGeom prst="rect">
+            <a:avLst/>
+          </a:prstGeom>
+          <a:noFill/>
+          <a:extLst>
+            <a:ext uri="{909E8E84-426E-40DD-AFC4-6F175D3DCCD1}">
+              <a14:hiddenFill xmlns:a14="http://schemas.microsoft.com/office/drawing/2010/main">
+                <a:solidFill>
+                  <a:srgbClr val="FFFFFF"/>
+                </a:solidFill>
+              </a14:hiddenFill>
+            </a:ext>
+          </a:extLst>
+        </p:spPr>
+      </p:pic>
+      <p:pic>
+        <p:nvPicPr>
+          <p:cNvPr id="3080" name="Picture 8" descr="AWS 서버 환경 구축"/>
+          <p:cNvPicPr>
+            <a:picLocks noChangeAspect="1" noChangeArrowheads="1"/>
+          </p:cNvPicPr>
+          <p:nvPr/>
+        </p:nvPicPr>
+        <p:blipFill>
+          <a:blip r:embed="rId4">
+            <a:extLst>
+              <a:ext uri="{28A0092B-C50C-407E-A947-70E740481C1C}">
+                <a14:useLocalDpi xmlns:a14="http://schemas.microsoft.com/office/drawing/2010/main" val="0"/>
+              </a:ext>
+            </a:extLst>
+          </a:blip>
+          <a:srcRect/>
+          <a:stretch>
+            <a:fillRect/>
+          </a:stretch>
+        </p:blipFill>
+        <p:spPr bwMode="auto">
+          <a:xfrm>
+            <a:off x="8218122" y="2141330"/>
+            <a:ext cx="2632714" cy="1598979"/>
+          </a:xfrm>
+          <a:prstGeom prst="rect">
+            <a:avLst/>
+          </a:prstGeom>
+          <a:noFill/>
+          <a:extLst>
+            <a:ext uri="{909E8E84-426E-40DD-AFC4-6F175D3DCCD1}">
+              <a14:hiddenFill xmlns:a14="http://schemas.microsoft.com/office/drawing/2010/main">
+                <a:solidFill>
+                  <a:srgbClr val="FFFFFF"/>
+                </a:solidFill>
+              </a14:hiddenFill>
+            </a:ext>
+          </a:extLst>
+        </p:spPr>
+      </p:pic>
+      <p:pic>
+        <p:nvPicPr>
+          <p:cNvPr id="9" name="Picture 10" descr="About us | Service-only distributor | Tesedi"/>
+          <p:cNvPicPr>
+            <a:picLocks noChangeAspect="1" noChangeArrowheads="1"/>
+          </p:cNvPicPr>
+          <p:nvPr/>
+        </p:nvPicPr>
+        <p:blipFill>
+          <a:blip r:embed="rId5">
+            <a:extLst>
+              <a:ext uri="{28A0092B-C50C-407E-A947-70E740481C1C}">
+                <a14:useLocalDpi xmlns:a14="http://schemas.microsoft.com/office/drawing/2010/main" val="0"/>
+              </a:ext>
+            </a:extLst>
+          </a:blip>
+          <a:srcRect/>
+          <a:stretch>
+            <a:fillRect/>
+          </a:stretch>
+        </p:blipFill>
+        <p:spPr bwMode="auto">
+          <a:xfrm>
+            <a:off x="964468" y="3740309"/>
+            <a:ext cx="2857500" cy="2857500"/>
+          </a:xfrm>
+          <a:prstGeom prst="rect">
+            <a:avLst/>
+          </a:prstGeom>
+          <a:noFill/>
+          <a:extLst>
+            <a:ext uri="{909E8E84-426E-40DD-AFC4-6F175D3DCCD1}">
+              <a14:hiddenFill xmlns:a14="http://schemas.microsoft.com/office/drawing/2010/main">
+                <a:solidFill>
+                  <a:srgbClr val="FFFFFF"/>
+                </a:solidFill>
+              </a14:hiddenFill>
+            </a:ext>
+          </a:extLst>
+        </p:spPr>
+      </p:pic>
+      <p:pic>
+        <p:nvPicPr>
+          <p:cNvPr id="3084" name="Picture 12" descr="Nasuni And Dell Emc Ecs Partnership, HD Png Download - kindpng"/>
+          <p:cNvPicPr>
+            <a:picLocks noChangeAspect="1" noChangeArrowheads="1"/>
+          </p:cNvPicPr>
+          <p:nvPr/>
+        </p:nvPicPr>
+        <p:blipFill>
+          <a:blip r:embed="rId6" cstate="print">
+            <a:extLst>
+              <a:ext uri="{28A0092B-C50C-407E-A947-70E740481C1C}">
+                <a14:useLocalDpi xmlns:a14="http://schemas.microsoft.com/office/drawing/2010/main" val="0"/>
+              </a:ext>
+            </a:extLst>
+          </a:blip>
+          <a:srcRect/>
+          <a:stretch>
+            <a:fillRect/>
+          </a:stretch>
+        </p:blipFill>
+        <p:spPr bwMode="auto">
+          <a:xfrm>
+            <a:off x="5403240" y="4479437"/>
+            <a:ext cx="3018855" cy="1597185"/>
+          </a:xfrm>
+          <a:prstGeom prst="rect">
+            <a:avLst/>
+          </a:prstGeom>
+          <a:noFill/>
+          <a:extLst>
+            <a:ext uri="{909E8E84-426E-40DD-AFC4-6F175D3DCCD1}">
+              <a14:hiddenFill xmlns:a14="http://schemas.microsoft.com/office/drawing/2010/main">
+                <a:solidFill>
+                  <a:srgbClr val="FFFFFF"/>
+                </a:solidFill>
+              </a14:hiddenFill>
+            </a:ext>
+          </a:extLst>
+        </p:spPr>
+      </p:pic>
+    </p:spTree>
+    <p:extLst>
+      <p:ext uri="{BB962C8B-B14F-4D97-AF65-F5344CB8AC3E}">
+        <p14:creationId xmlns:p14="http://schemas.microsoft.com/office/powerpoint/2010/main" val="3112888120"/>
+      </p:ext>
+    </p:extLst>
+  </p:cSld>
+  <p:clrMapOvr>
+    <a:masterClrMapping/>
+  </p:clrMapOvr>
+</p:sld>
+</file>
+
+<file path=ppt/slides/slide4.xml><?xml version="1.0" encoding="utf-8"?>
 <p:sld xmlns:a="http://schemas.openxmlformats.org/drawingml/2006/main" xmlns:r="http://schemas.openxmlformats.org/officeDocument/2006/relationships" xmlns:p="http://schemas.openxmlformats.org/presentationml/2006/main">
   <p:cSld>
     <p:spTree>
@@ -3397,7 +3821,7 @@
 </p:sld>
 </file>
 
-<file path=ppt/slides/slide3.xml><?xml version="1.0" encoding="utf-8"?>
+<file path=ppt/slides/slide5.xml><?xml version="1.0" encoding="utf-8"?>
 <p:sld xmlns:a="http://schemas.openxmlformats.org/drawingml/2006/main" xmlns:r="http://schemas.openxmlformats.org/officeDocument/2006/relationships" xmlns:p="http://schemas.openxmlformats.org/presentationml/2006/main">
   <p:cSld>
     <p:spTree>
@@ -3543,15 +3967,7 @@
             </a:r>
             <a:r>
               <a:rPr lang="ko-KR" altLang="en-US" sz="1400" dirty="0" smtClean="0"/>
-              <a:t>의 </a:t>
-            </a:r>
-            <a:r>
-              <a:rPr lang="ko-KR" altLang="en-US" sz="1400" dirty="0" smtClean="0"/>
-              <a:t>요구사항을 반영하여 </a:t>
-            </a:r>
-            <a:r>
-              <a:rPr lang="ko-KR" altLang="en-US" sz="1400" dirty="0" smtClean="0"/>
-              <a:t>목표를 설정하는 행위</a:t>
+              <a:t>의 요구사항을 반영하여 목표를 설정하는 행위</a:t>
             </a:r>
             <a:endParaRPr lang="en-US" altLang="ko-KR" sz="1400" dirty="0" smtClean="0"/>
           </a:p>
@@ -3694,7 +4110,7 @@
 </p:sld>
 </file>
 
-<file path=ppt/slides/slide4.xml><?xml version="1.0" encoding="utf-8"?>
+<file path=ppt/slides/slide6.xml><?xml version="1.0" encoding="utf-8"?>
 <p:sld xmlns:a="http://schemas.openxmlformats.org/drawingml/2006/main" xmlns:r="http://schemas.openxmlformats.org/officeDocument/2006/relationships" xmlns:p="http://schemas.openxmlformats.org/presentationml/2006/main">
   <p:cSld>
     <p:spTree>
@@ -3733,11 +4149,11 @@
           <a:p>
             <a:r>
               <a:rPr lang="en-US" altLang="ko-KR" dirty="0" smtClean="0"/>
-              <a:t>Kubernetes DevOps </a:t>
-            </a:r>
-            <a:r>
-              <a:rPr lang="ko-KR" altLang="en-US" dirty="0" smtClean="0"/>
-              <a:t>애자일 체계</a:t>
+              <a:t>Kubernetes </a:t>
+            </a:r>
+            <a:r>
+              <a:rPr lang="en-US" altLang="ko-KR" dirty="0"/>
+              <a:t>Cloud Platform</a:t>
             </a:r>
             <a:endParaRPr lang="ko-KR" altLang="en-US" dirty="0"/>
           </a:p>
@@ -3997,15 +4413,7 @@
             </a:r>
             <a:r>
               <a:rPr lang="en-US" altLang="ko-KR" sz="1400" dirty="0" smtClean="0"/>
-              <a:t> : </a:t>
-            </a:r>
-            <a:r>
-              <a:rPr lang="en-US" altLang="ko-KR" sz="1400" dirty="0" smtClean="0"/>
-              <a:t>Continuous </a:t>
-            </a:r>
-            <a:r>
-              <a:rPr lang="en-US" altLang="ko-KR" sz="1400" dirty="0" smtClean="0"/>
-              <a:t>Deployment</a:t>
+              <a:t> : Continuous Deployment</a:t>
             </a:r>
             <a:r>
               <a:rPr lang="ko-KR" altLang="en-US" sz="1400" dirty="0" smtClean="0"/>
@@ -4044,11 +4452,31 @@
                   <a:srgbClr val="FF0000"/>
                 </a:solidFill>
               </a:rPr>
-              <a:t>Micro Service</a:t>
-            </a:r>
-            <a:r>
-              <a:rPr lang="en-US" altLang="ko-KR" sz="1400" dirty="0" smtClean="0"/>
-              <a:t> : </a:t>
+              <a:t>Micro </a:t>
+            </a:r>
+            <a:r>
+              <a:rPr lang="en-US" altLang="ko-KR" sz="1400" dirty="0" smtClean="0">
+                <a:solidFill>
+                  <a:srgbClr val="FF0000"/>
+                </a:solidFill>
+              </a:rPr>
+              <a:t>Service </a:t>
+            </a:r>
+            <a:r>
+              <a:rPr lang="en-US" altLang="ko-KR" sz="1400" dirty="0" smtClean="0">
+                <a:solidFill>
+                  <a:srgbClr val="FF0000"/>
+                </a:solidFill>
+              </a:rPr>
+              <a:t>Architecture</a:t>
+            </a:r>
+            <a:r>
+              <a:rPr lang="en-US" altLang="ko-KR" sz="1400" dirty="0" smtClean="0"/>
+              <a:t> </a:t>
+            </a:r>
+            <a:r>
+              <a:rPr lang="en-US" altLang="ko-KR" sz="1400" dirty="0" smtClean="0"/>
+              <a:t>: </a:t>
             </a:r>
             <a:r>
               <a:rPr lang="ko-KR" altLang="en-US" sz="1400" dirty="0" smtClean="0"/>
@@ -4084,7 +4512,15 @@
             </a:r>
             <a:r>
               <a:rPr lang="ko-KR" altLang="en-US" sz="1400" dirty="0" smtClean="0"/>
-              <a:t>서비스들을 소규모로 분할하여 시스템에 적용시키도록 하는 것을 말함</a:t>
+              <a:t>서비스들을 소규모로 분할하여 시스템에 적용시키도록 하는 것을 </a:t>
+            </a:r>
+            <a:r>
+              <a:rPr lang="ko-KR" altLang="en-US" sz="1400" dirty="0" smtClean="0"/>
+              <a:t>말함</a:t>
+            </a:r>
+            <a:r>
+              <a:rPr lang="en-US" altLang="ko-KR" sz="1400" dirty="0" smtClean="0"/>
+              <a:t>(MSA)</a:t>
             </a:r>
             <a:endParaRPr lang="en-US" altLang="ko-KR" sz="1400" dirty="0" smtClean="0"/>
           </a:p>
@@ -4137,11 +4573,7 @@
             </a:r>
             <a:r>
               <a:rPr lang="en-US" altLang="ko-KR" sz="1400" dirty="0" smtClean="0"/>
-              <a:t> : </a:t>
-            </a:r>
-            <a:r>
-              <a:rPr lang="en-US" altLang="ko-KR" sz="1400" dirty="0" smtClean="0"/>
-              <a:t>DevOps</a:t>
+              <a:t> : DevOps</a:t>
             </a:r>
             <a:r>
               <a:rPr lang="ko-KR" altLang="en-US" sz="1400" dirty="0" smtClean="0"/>
@@ -4155,6 +4587,986 @@
     <p:extLst>
       <p:ext uri="{BB962C8B-B14F-4D97-AF65-F5344CB8AC3E}">
         <p14:creationId xmlns:p14="http://schemas.microsoft.com/office/powerpoint/2010/main" val="2599981200"/>
+      </p:ext>
+    </p:extLst>
+  </p:cSld>
+  <p:clrMapOvr>
+    <a:masterClrMapping/>
+  </p:clrMapOvr>
+</p:sld>
+</file>
+
+<file path=ppt/slides/slide7.xml><?xml version="1.0" encoding="utf-8"?>
+<p:sld xmlns:a="http://schemas.openxmlformats.org/drawingml/2006/main" xmlns:r="http://schemas.openxmlformats.org/officeDocument/2006/relationships" xmlns:p="http://schemas.openxmlformats.org/presentationml/2006/main">
+  <p:cSld>
+    <p:spTree>
+      <p:nvGrpSpPr>
+        <p:cNvPr id="1" name=""/>
+        <p:cNvGrpSpPr/>
+        <p:nvPr/>
+      </p:nvGrpSpPr>
+      <p:grpSpPr>
+        <a:xfrm>
+          <a:off x="0" y="0"/>
+          <a:ext cx="0" cy="0"/>
+          <a:chOff x="0" y="0"/>
+          <a:chExt cx="0" cy="0"/>
+        </a:xfrm>
+      </p:grpSpPr>
+      <p:sp>
+        <p:nvSpPr>
+          <p:cNvPr id="2" name="제목 1"/>
+          <p:cNvSpPr>
+            <a:spLocks noGrp="1"/>
+          </p:cNvSpPr>
+          <p:nvPr>
+            <p:ph type="title"/>
+          </p:nvPr>
+        </p:nvSpPr>
+        <p:spPr>
+          <a:xfrm>
+            <a:off x="748553" y="0"/>
+            <a:ext cx="10515600" cy="1325563"/>
+          </a:xfrm>
+        </p:spPr>
+        <p:txBody>
+          <a:bodyPr/>
+          <a:lstStyle/>
+          <a:p>
+            <a:r>
+              <a:rPr lang="en-US" altLang="ko-KR" dirty="0" smtClean="0"/>
+              <a:t>Azure</a:t>
+            </a:r>
+            <a:r>
+              <a:rPr lang="en-US" altLang="ko-KR" dirty="0" smtClean="0"/>
+              <a:t> </a:t>
+            </a:r>
+            <a:r>
+              <a:rPr lang="en-US" altLang="ko-KR" dirty="0" smtClean="0"/>
+              <a:t>Cloud Platform</a:t>
+            </a:r>
+            <a:endParaRPr lang="ko-KR" altLang="en-US" dirty="0"/>
+          </a:p>
+        </p:txBody>
+      </p:sp>
+      <p:sp>
+        <p:nvSpPr>
+          <p:cNvPr id="4" name="TextBox 3"/>
+          <p:cNvSpPr txBox="1"/>
+          <p:nvPr/>
+        </p:nvSpPr>
+        <p:spPr>
+          <a:xfrm>
+            <a:off x="4176346" y="6385161"/>
+            <a:ext cx="2116285" cy="369332"/>
+          </a:xfrm>
+          <a:prstGeom prst="rect">
+            <a:avLst/>
+          </a:prstGeom>
+          <a:noFill/>
+        </p:spPr>
+        <p:txBody>
+          <a:bodyPr wrap="none" rtlCol="0">
+            <a:spAutoFit/>
+          </a:bodyPr>
+          <a:lstStyle/>
+          <a:p>
+            <a:r>
+              <a:rPr lang="ko-KR" altLang="en-US" dirty="0" smtClean="0"/>
+              <a:t>하나의 </a:t>
+            </a:r>
+            <a:r>
+              <a:rPr lang="en-US" altLang="ko-KR" dirty="0" smtClean="0"/>
+              <a:t>Sprint </a:t>
+            </a:r>
+            <a:r>
+              <a:rPr lang="ko-KR" altLang="en-US" dirty="0" smtClean="0"/>
+              <a:t>예시</a:t>
+            </a:r>
+            <a:endParaRPr lang="ko-KR" altLang="en-US" dirty="0"/>
+          </a:p>
+        </p:txBody>
+      </p:sp>
+      <p:sp>
+        <p:nvSpPr>
+          <p:cNvPr id="7" name="TextBox 6"/>
+          <p:cNvSpPr txBox="1"/>
+          <p:nvPr/>
+        </p:nvSpPr>
+        <p:spPr>
+          <a:xfrm>
+            <a:off x="7514491" y="1399381"/>
+            <a:ext cx="4498215" cy="5262979"/>
+          </a:xfrm>
+          <a:prstGeom prst="rect">
+            <a:avLst/>
+          </a:prstGeom>
+          <a:noFill/>
+        </p:spPr>
+        <p:txBody>
+          <a:bodyPr wrap="square" rtlCol="0">
+            <a:spAutoFit/>
+          </a:bodyPr>
+          <a:lstStyle/>
+          <a:p>
+            <a:r>
+              <a:rPr lang="en-US" altLang="ko-KR" sz="1400" dirty="0" smtClean="0">
+                <a:solidFill>
+                  <a:srgbClr val="FF0000"/>
+                </a:solidFill>
+              </a:rPr>
+              <a:t>Deploy</a:t>
+            </a:r>
+            <a:r>
+              <a:rPr lang="en-US" altLang="ko-KR" sz="1400" dirty="0" smtClean="0"/>
+              <a:t> : </a:t>
+            </a:r>
+            <a:r>
+              <a:rPr lang="ko-KR" altLang="en-US" sz="1400" dirty="0" smtClean="0"/>
+              <a:t>배포</a:t>
+            </a:r>
+            <a:r>
+              <a:rPr lang="en-US" altLang="ko-KR" sz="1400" dirty="0" smtClean="0"/>
+              <a:t>.</a:t>
+            </a:r>
+            <a:r>
+              <a:rPr lang="ko-KR" altLang="en-US" sz="1400" dirty="0" smtClean="0"/>
+              <a:t> 운영 시스템에 완성된 프로젝트를 업로드하는 행위</a:t>
+            </a:r>
+            <a:endParaRPr lang="en-US" altLang="ko-KR" sz="1400" dirty="0" smtClean="0"/>
+          </a:p>
+          <a:p>
+            <a:r>
+              <a:rPr lang="en-US" altLang="ko-KR" sz="1400" dirty="0" smtClean="0">
+                <a:solidFill>
+                  <a:srgbClr val="FF0000"/>
+                </a:solidFill>
+              </a:rPr>
+              <a:t>Build</a:t>
+            </a:r>
+            <a:r>
+              <a:rPr lang="en-US" altLang="ko-KR" sz="1400" dirty="0" smtClean="0"/>
+              <a:t> : </a:t>
+            </a:r>
+            <a:r>
+              <a:rPr lang="ko-KR" altLang="en-US" sz="1400" dirty="0" smtClean="0"/>
+              <a:t>해당 프로젝트를 실행이 가능하도록 컴파일하거나 인코딩하는 행위</a:t>
+            </a:r>
+            <a:endParaRPr lang="en-US" altLang="ko-KR" sz="1400" dirty="0" smtClean="0"/>
+          </a:p>
+          <a:p>
+            <a:r>
+              <a:rPr lang="en-US" altLang="ko-KR" sz="1400" dirty="0" smtClean="0">
+                <a:solidFill>
+                  <a:srgbClr val="FF0000"/>
+                </a:solidFill>
+              </a:rPr>
+              <a:t>Packaging</a:t>
+            </a:r>
+            <a:r>
+              <a:rPr lang="en-US" altLang="ko-KR" sz="1400" dirty="0" smtClean="0"/>
+              <a:t> : </a:t>
+            </a:r>
+            <a:r>
+              <a:rPr lang="ko-KR" altLang="en-US" sz="1400" dirty="0" smtClean="0"/>
+              <a:t>여러 리소스나 프로젝트 요소들을 하나의 압축파일 형태로 묶는 행위</a:t>
+            </a:r>
+            <a:endParaRPr lang="en-US" altLang="ko-KR" sz="1400" dirty="0" smtClean="0"/>
+          </a:p>
+          <a:p>
+            <a:r>
+              <a:rPr lang="en-US" altLang="ko-KR" sz="1400" dirty="0" smtClean="0">
+                <a:solidFill>
+                  <a:srgbClr val="FF0000"/>
+                </a:solidFill>
+              </a:rPr>
+              <a:t>DevOps</a:t>
+            </a:r>
+            <a:r>
+              <a:rPr lang="en-US" altLang="ko-KR" sz="1400" dirty="0" smtClean="0"/>
+              <a:t> : </a:t>
+            </a:r>
+            <a:r>
+              <a:rPr lang="ko-KR" altLang="en-US" sz="1400" dirty="0" smtClean="0"/>
+              <a:t>하나의 시스템으로 구축하여 개발</a:t>
+            </a:r>
+            <a:r>
+              <a:rPr lang="en-US" altLang="ko-KR" sz="1400" dirty="0" smtClean="0"/>
+              <a:t>(develop)</a:t>
+            </a:r>
+            <a:r>
+              <a:rPr lang="ko-KR" altLang="en-US" sz="1400" dirty="0" smtClean="0"/>
+              <a:t>과 운영</a:t>
+            </a:r>
+            <a:r>
+              <a:rPr lang="en-US" altLang="ko-KR" sz="1400" dirty="0" smtClean="0"/>
+              <a:t>(Operation)</a:t>
+            </a:r>
+            <a:r>
+              <a:rPr lang="ko-KR" altLang="en-US" sz="1400" dirty="0" smtClean="0"/>
+              <a:t>을 모두 할 수 </a:t>
+            </a:r>
+            <a:r>
+              <a:rPr lang="ko-KR" altLang="en-US" sz="1400" dirty="0" err="1" smtClean="0"/>
+              <a:t>있도록한</a:t>
+            </a:r>
+            <a:r>
+              <a:rPr lang="ko-KR" altLang="en-US" sz="1400" dirty="0" smtClean="0"/>
+              <a:t> 시스템</a:t>
+            </a:r>
+            <a:endParaRPr lang="en-US" altLang="ko-KR" sz="1400" dirty="0" smtClean="0"/>
+          </a:p>
+          <a:p>
+            <a:r>
+              <a:rPr lang="en-US" altLang="ko-KR" sz="1400" dirty="0" smtClean="0">
+                <a:solidFill>
+                  <a:srgbClr val="FF0000"/>
+                </a:solidFill>
+              </a:rPr>
+              <a:t>CI</a:t>
+            </a:r>
+            <a:r>
+              <a:rPr lang="en-US" altLang="ko-KR" sz="1400" dirty="0" smtClean="0"/>
+              <a:t> : Continuous Integration</a:t>
+            </a:r>
+            <a:r>
+              <a:rPr lang="ko-KR" altLang="en-US" sz="1400" dirty="0" smtClean="0"/>
+              <a:t>의 약자로 </a:t>
+            </a:r>
+            <a:r>
+              <a:rPr lang="en-US" altLang="ko-KR" sz="1400" dirty="0" smtClean="0"/>
+              <a:t>DevOps </a:t>
+            </a:r>
+            <a:r>
+              <a:rPr lang="ko-KR" altLang="en-US" sz="1400" dirty="0" smtClean="0"/>
+              <a:t>시스템이 가동되면</a:t>
+            </a:r>
+            <a:r>
+              <a:rPr lang="en-US" altLang="ko-KR" sz="1400" dirty="0" smtClean="0"/>
+              <a:t>, </a:t>
+            </a:r>
+            <a:r>
+              <a:rPr lang="ko-KR" altLang="en-US" sz="1400" dirty="0" smtClean="0"/>
+              <a:t>지속적으로 변화되는 요소들을 공유하면서 통합됨을 의미</a:t>
+            </a:r>
+            <a:endParaRPr lang="en-US" altLang="ko-KR" sz="1400" dirty="0" smtClean="0"/>
+          </a:p>
+          <a:p>
+            <a:r>
+              <a:rPr lang="en-US" altLang="ko-KR" sz="1400" dirty="0" smtClean="0">
+                <a:solidFill>
+                  <a:srgbClr val="FF0000"/>
+                </a:solidFill>
+              </a:rPr>
+              <a:t>CD</a:t>
+            </a:r>
+            <a:r>
+              <a:rPr lang="en-US" altLang="ko-KR" sz="1400" dirty="0" smtClean="0"/>
+              <a:t> : Continuous Deployment</a:t>
+            </a:r>
+            <a:r>
+              <a:rPr lang="ko-KR" altLang="en-US" sz="1400" dirty="0" smtClean="0"/>
+              <a:t>의 약자로 </a:t>
+            </a:r>
+            <a:r>
+              <a:rPr lang="en-US" altLang="ko-KR" sz="1400" dirty="0" smtClean="0"/>
+              <a:t>DevOps </a:t>
+            </a:r>
+            <a:r>
+              <a:rPr lang="ko-KR" altLang="en-US" sz="1400" dirty="0" smtClean="0"/>
+              <a:t>시스템이 가동되면</a:t>
+            </a:r>
+            <a:r>
+              <a:rPr lang="en-US" altLang="ko-KR" sz="1400" dirty="0" smtClean="0"/>
+              <a:t>, </a:t>
+            </a:r>
+            <a:r>
+              <a:rPr lang="ko-KR" altLang="en-US" sz="1400" dirty="0" smtClean="0"/>
+              <a:t>이슈를 반영하여 지속적으로 다시 </a:t>
+            </a:r>
+            <a:r>
+              <a:rPr lang="ko-KR" altLang="en-US" sz="1400" dirty="0" err="1" smtClean="0"/>
+              <a:t>재배포를</a:t>
+            </a:r>
+            <a:r>
+              <a:rPr lang="ko-KR" altLang="en-US" sz="1400" dirty="0" smtClean="0"/>
+              <a:t> 하게 됨을 의미</a:t>
+            </a:r>
+            <a:endParaRPr lang="en-US" altLang="ko-KR" sz="1400" dirty="0" smtClean="0"/>
+          </a:p>
+          <a:p>
+            <a:r>
+              <a:rPr lang="en-US" altLang="ko-KR" sz="1400" dirty="0" smtClean="0">
+                <a:solidFill>
+                  <a:srgbClr val="FF0000"/>
+                </a:solidFill>
+              </a:rPr>
+              <a:t>Micro </a:t>
+            </a:r>
+            <a:r>
+              <a:rPr lang="en-US" altLang="ko-KR" sz="1400" dirty="0" smtClean="0">
+                <a:solidFill>
+                  <a:srgbClr val="FF0000"/>
+                </a:solidFill>
+              </a:rPr>
+              <a:t>Service </a:t>
+            </a:r>
+            <a:r>
+              <a:rPr lang="en-US" altLang="ko-KR" sz="1400" dirty="0" smtClean="0">
+                <a:solidFill>
+                  <a:srgbClr val="FF0000"/>
+                </a:solidFill>
+              </a:rPr>
+              <a:t>Architecture</a:t>
+            </a:r>
+            <a:r>
+              <a:rPr lang="en-US" altLang="ko-KR" sz="1400" dirty="0" smtClean="0"/>
+              <a:t> </a:t>
+            </a:r>
+            <a:r>
+              <a:rPr lang="en-US" altLang="ko-KR" sz="1400" dirty="0" smtClean="0"/>
+              <a:t>: </a:t>
+            </a:r>
+            <a:r>
+              <a:rPr lang="ko-KR" altLang="en-US" sz="1400" dirty="0" smtClean="0"/>
+              <a:t>대규모 서비스는 </a:t>
+            </a:r>
+            <a:r>
+              <a:rPr lang="ko-KR" altLang="en-US" sz="1400" dirty="0" err="1" smtClean="0"/>
+              <a:t>클라우드</a:t>
+            </a:r>
+            <a:r>
+              <a:rPr lang="ko-KR" altLang="en-US" sz="1400" dirty="0" smtClean="0"/>
+              <a:t> 시스템에 적용하는 경우 속도나 </a:t>
+            </a:r>
+            <a:r>
+              <a:rPr lang="ko-KR" altLang="en-US" sz="1400" dirty="0" err="1" smtClean="0"/>
+              <a:t>성능면에서</a:t>
+            </a:r>
+            <a:r>
+              <a:rPr lang="ko-KR" altLang="en-US" sz="1400" dirty="0" smtClean="0"/>
+              <a:t> 많이 뒤떨어지고</a:t>
+            </a:r>
+            <a:r>
+              <a:rPr lang="en-US" altLang="ko-KR" sz="1400" dirty="0" smtClean="0"/>
+              <a:t>, </a:t>
+            </a:r>
+            <a:r>
+              <a:rPr lang="ko-KR" altLang="en-US" sz="1400" dirty="0" smtClean="0"/>
+              <a:t>개발에 있어 계속 바뀌는 요청사항이나 이슈에 대처하기가 힘이 들므로</a:t>
+            </a:r>
+            <a:r>
+              <a:rPr lang="en-US" altLang="ko-KR" sz="1400" dirty="0" smtClean="0"/>
+              <a:t>, </a:t>
+            </a:r>
+            <a:r>
+              <a:rPr lang="ko-KR" altLang="en-US" sz="1400" dirty="0" smtClean="0"/>
+              <a:t>서비스들을 소규모로 분할하여 시스템에 적용시키도록 하는 것을 </a:t>
+            </a:r>
+            <a:r>
+              <a:rPr lang="ko-KR" altLang="en-US" sz="1400" dirty="0" smtClean="0"/>
+              <a:t>말함</a:t>
+            </a:r>
+            <a:r>
+              <a:rPr lang="en-US" altLang="ko-KR" sz="1400" dirty="0" smtClean="0"/>
+              <a:t>(MSA)</a:t>
+            </a:r>
+            <a:endParaRPr lang="en-US" altLang="ko-KR" sz="1400" dirty="0" smtClean="0"/>
+          </a:p>
+          <a:p>
+            <a:r>
+              <a:rPr lang="en-US" altLang="ko-KR" sz="1400" dirty="0" smtClean="0">
+                <a:solidFill>
+                  <a:srgbClr val="FF0000"/>
+                </a:solidFill>
+              </a:rPr>
+              <a:t>Compose</a:t>
+            </a:r>
+            <a:r>
+              <a:rPr lang="en-US" altLang="ko-KR" sz="1400" dirty="0" smtClean="0"/>
+              <a:t> : </a:t>
+            </a:r>
+            <a:r>
+              <a:rPr lang="ko-KR" altLang="en-US" sz="1400" dirty="0" smtClean="0"/>
+              <a:t>하나의 시스템을 구성하는 것을 말함</a:t>
+            </a:r>
+            <a:endParaRPr lang="en-US" altLang="ko-KR" sz="1400" dirty="0" smtClean="0"/>
+          </a:p>
+          <a:p>
+            <a:r>
+              <a:rPr lang="en-US" altLang="ko-KR" sz="1400" dirty="0" smtClean="0">
+                <a:solidFill>
+                  <a:srgbClr val="FF0000"/>
+                </a:solidFill>
+              </a:rPr>
+              <a:t>Container</a:t>
+            </a:r>
+            <a:r>
+              <a:rPr lang="en-US" altLang="ko-KR" sz="1400" dirty="0" smtClean="0"/>
+              <a:t> : DevOps</a:t>
+            </a:r>
+            <a:r>
+              <a:rPr lang="ko-KR" altLang="en-US" sz="1400" dirty="0" smtClean="0"/>
+              <a:t>에 필요한 요소들을 하나의 컨테이너 박스에 담도록 하는 것을 말함</a:t>
+            </a:r>
+            <a:endParaRPr lang="en-US" altLang="ko-KR" sz="1400" dirty="0" smtClean="0"/>
+          </a:p>
+          <a:p>
+            <a:r>
+              <a:rPr lang="en-US" altLang="ko-KR" sz="1400" dirty="0" smtClean="0">
+                <a:solidFill>
+                  <a:srgbClr val="FF0000"/>
+                </a:solidFill>
+              </a:rPr>
+              <a:t>Images</a:t>
+            </a:r>
+            <a:r>
+              <a:rPr lang="en-US" altLang="ko-KR" sz="1400" dirty="0" smtClean="0"/>
+              <a:t> : DevOps</a:t>
+            </a:r>
+            <a:r>
+              <a:rPr lang="ko-KR" altLang="en-US" sz="1400" dirty="0" smtClean="0"/>
+              <a:t>에 필요한 요소들을 하나로 압축하거나 독립적으로 분리한 압축파일 형태</a:t>
+            </a:r>
+            <a:endParaRPr lang="ko-KR" altLang="en-US" sz="1400" dirty="0"/>
+          </a:p>
+        </p:txBody>
+      </p:sp>
+      <p:pic>
+        <p:nvPicPr>
+          <p:cNvPr id="4098" name="Picture 2" descr="컨테이너 기반 작업에 대한 CI/CD 파이프라인 - Azure Example Scenarios | Microsoft Docs"/>
+          <p:cNvPicPr>
+            <a:picLocks noChangeAspect="1" noChangeArrowheads="1"/>
+          </p:cNvPicPr>
+          <p:nvPr/>
+        </p:nvPicPr>
+        <p:blipFill>
+          <a:blip r:embed="rId2" cstate="print">
+            <a:extLst>
+              <a:ext uri="{28A0092B-C50C-407E-A947-70E740481C1C}">
+                <a14:useLocalDpi xmlns:a14="http://schemas.microsoft.com/office/drawing/2010/main" val="0"/>
+              </a:ext>
+            </a:extLst>
+          </a:blip>
+          <a:srcRect/>
+          <a:stretch>
+            <a:fillRect/>
+          </a:stretch>
+        </p:blipFill>
+        <p:spPr bwMode="auto">
+          <a:xfrm>
+            <a:off x="263272" y="1571930"/>
+            <a:ext cx="6704143" cy="4566864"/>
+          </a:xfrm>
+          <a:prstGeom prst="rect">
+            <a:avLst/>
+          </a:prstGeom>
+          <a:noFill/>
+          <a:extLst>
+            <a:ext uri="{909E8E84-426E-40DD-AFC4-6F175D3DCCD1}">
+              <a14:hiddenFill xmlns:a14="http://schemas.microsoft.com/office/drawing/2010/main">
+                <a:solidFill>
+                  <a:srgbClr val="FFFFFF"/>
+                </a:solidFill>
+              </a14:hiddenFill>
+            </a:ext>
+          </a:extLst>
+        </p:spPr>
+      </p:pic>
+    </p:spTree>
+    <p:extLst>
+      <p:ext uri="{BB962C8B-B14F-4D97-AF65-F5344CB8AC3E}">
+        <p14:creationId xmlns:p14="http://schemas.microsoft.com/office/powerpoint/2010/main" val="2253130089"/>
+      </p:ext>
+    </p:extLst>
+  </p:cSld>
+  <p:clrMapOvr>
+    <a:masterClrMapping/>
+  </p:clrMapOvr>
+</p:sld>
+</file>
+
+<file path=ppt/slides/slide8.xml><?xml version="1.0" encoding="utf-8"?>
+<p:sld xmlns:a="http://schemas.openxmlformats.org/drawingml/2006/main" xmlns:r="http://schemas.openxmlformats.org/officeDocument/2006/relationships" xmlns:p="http://schemas.openxmlformats.org/presentationml/2006/main">
+  <p:cSld>
+    <p:spTree>
+      <p:nvGrpSpPr>
+        <p:cNvPr id="1" name=""/>
+        <p:cNvGrpSpPr/>
+        <p:nvPr/>
+      </p:nvGrpSpPr>
+      <p:grpSpPr>
+        <a:xfrm>
+          <a:off x="0" y="0"/>
+          <a:ext cx="0" cy="0"/>
+          <a:chOff x="0" y="0"/>
+          <a:chExt cx="0" cy="0"/>
+        </a:xfrm>
+      </p:grpSpPr>
+      <p:sp>
+        <p:nvSpPr>
+          <p:cNvPr id="2" name="제목 1"/>
+          <p:cNvSpPr>
+            <a:spLocks noGrp="1"/>
+          </p:cNvSpPr>
+          <p:nvPr>
+            <p:ph type="title"/>
+          </p:nvPr>
+        </p:nvSpPr>
+        <p:spPr>
+          <a:xfrm>
+            <a:off x="748553" y="0"/>
+            <a:ext cx="10515600" cy="1325563"/>
+          </a:xfrm>
+        </p:spPr>
+        <p:txBody>
+          <a:bodyPr/>
+          <a:lstStyle/>
+          <a:p>
+            <a:r>
+              <a:rPr lang="en-US" altLang="ko-KR" dirty="0" smtClean="0"/>
+              <a:t>AWS</a:t>
+            </a:r>
+            <a:r>
+              <a:rPr lang="en-US" altLang="ko-KR" dirty="0" smtClean="0"/>
+              <a:t> </a:t>
+            </a:r>
+            <a:r>
+              <a:rPr lang="en-US" altLang="ko-KR" dirty="0" smtClean="0"/>
+              <a:t>Cloud Platform</a:t>
+            </a:r>
+            <a:endParaRPr lang="ko-KR" altLang="en-US" dirty="0"/>
+          </a:p>
+        </p:txBody>
+      </p:sp>
+      <p:sp>
+        <p:nvSpPr>
+          <p:cNvPr id="4" name="TextBox 3"/>
+          <p:cNvSpPr txBox="1"/>
+          <p:nvPr/>
+        </p:nvSpPr>
+        <p:spPr>
+          <a:xfrm>
+            <a:off x="4176346" y="6385161"/>
+            <a:ext cx="2116285" cy="369332"/>
+          </a:xfrm>
+          <a:prstGeom prst="rect">
+            <a:avLst/>
+          </a:prstGeom>
+          <a:noFill/>
+        </p:spPr>
+        <p:txBody>
+          <a:bodyPr wrap="none" rtlCol="0">
+            <a:spAutoFit/>
+          </a:bodyPr>
+          <a:lstStyle/>
+          <a:p>
+            <a:r>
+              <a:rPr lang="ko-KR" altLang="en-US" dirty="0" smtClean="0"/>
+              <a:t>하나의 </a:t>
+            </a:r>
+            <a:r>
+              <a:rPr lang="en-US" altLang="ko-KR" dirty="0" smtClean="0"/>
+              <a:t>Sprint </a:t>
+            </a:r>
+            <a:r>
+              <a:rPr lang="ko-KR" altLang="en-US" dirty="0" smtClean="0"/>
+              <a:t>예시</a:t>
+            </a:r>
+            <a:endParaRPr lang="ko-KR" altLang="en-US" dirty="0"/>
+          </a:p>
+        </p:txBody>
+      </p:sp>
+      <p:sp>
+        <p:nvSpPr>
+          <p:cNvPr id="7" name="TextBox 6"/>
+          <p:cNvSpPr txBox="1"/>
+          <p:nvPr/>
+        </p:nvSpPr>
+        <p:spPr>
+          <a:xfrm>
+            <a:off x="7514491" y="1399381"/>
+            <a:ext cx="4498215" cy="5262979"/>
+          </a:xfrm>
+          <a:prstGeom prst="rect">
+            <a:avLst/>
+          </a:prstGeom>
+          <a:noFill/>
+        </p:spPr>
+        <p:txBody>
+          <a:bodyPr wrap="square" rtlCol="0">
+            <a:spAutoFit/>
+          </a:bodyPr>
+          <a:lstStyle/>
+          <a:p>
+            <a:r>
+              <a:rPr lang="en-US" altLang="ko-KR" sz="1400" dirty="0" smtClean="0">
+                <a:solidFill>
+                  <a:srgbClr val="FF0000"/>
+                </a:solidFill>
+              </a:rPr>
+              <a:t>Deploy</a:t>
+            </a:r>
+            <a:r>
+              <a:rPr lang="en-US" altLang="ko-KR" sz="1400" dirty="0" smtClean="0"/>
+              <a:t> : </a:t>
+            </a:r>
+            <a:r>
+              <a:rPr lang="ko-KR" altLang="en-US" sz="1400" dirty="0" smtClean="0"/>
+              <a:t>배포</a:t>
+            </a:r>
+            <a:r>
+              <a:rPr lang="en-US" altLang="ko-KR" sz="1400" dirty="0" smtClean="0"/>
+              <a:t>.</a:t>
+            </a:r>
+            <a:r>
+              <a:rPr lang="ko-KR" altLang="en-US" sz="1400" dirty="0" smtClean="0"/>
+              <a:t> 운영 시스템에 완성된 프로젝트를 업로드하는 행위</a:t>
+            </a:r>
+            <a:endParaRPr lang="en-US" altLang="ko-KR" sz="1400" dirty="0" smtClean="0"/>
+          </a:p>
+          <a:p>
+            <a:r>
+              <a:rPr lang="en-US" altLang="ko-KR" sz="1400" dirty="0" smtClean="0">
+                <a:solidFill>
+                  <a:srgbClr val="FF0000"/>
+                </a:solidFill>
+              </a:rPr>
+              <a:t>Build</a:t>
+            </a:r>
+            <a:r>
+              <a:rPr lang="en-US" altLang="ko-KR" sz="1400" dirty="0" smtClean="0"/>
+              <a:t> : </a:t>
+            </a:r>
+            <a:r>
+              <a:rPr lang="ko-KR" altLang="en-US" sz="1400" dirty="0" smtClean="0"/>
+              <a:t>해당 프로젝트를 실행이 가능하도록 컴파일하거나 인코딩하는 행위</a:t>
+            </a:r>
+            <a:endParaRPr lang="en-US" altLang="ko-KR" sz="1400" dirty="0" smtClean="0"/>
+          </a:p>
+          <a:p>
+            <a:r>
+              <a:rPr lang="en-US" altLang="ko-KR" sz="1400" dirty="0" smtClean="0">
+                <a:solidFill>
+                  <a:srgbClr val="FF0000"/>
+                </a:solidFill>
+              </a:rPr>
+              <a:t>Packaging</a:t>
+            </a:r>
+            <a:r>
+              <a:rPr lang="en-US" altLang="ko-KR" sz="1400" dirty="0" smtClean="0"/>
+              <a:t> : </a:t>
+            </a:r>
+            <a:r>
+              <a:rPr lang="ko-KR" altLang="en-US" sz="1400" dirty="0" smtClean="0"/>
+              <a:t>여러 리소스나 프로젝트 요소들을 하나의 압축파일 형태로 묶는 행위</a:t>
+            </a:r>
+            <a:endParaRPr lang="en-US" altLang="ko-KR" sz="1400" dirty="0" smtClean="0"/>
+          </a:p>
+          <a:p>
+            <a:r>
+              <a:rPr lang="en-US" altLang="ko-KR" sz="1400" dirty="0" smtClean="0">
+                <a:solidFill>
+                  <a:srgbClr val="FF0000"/>
+                </a:solidFill>
+              </a:rPr>
+              <a:t>DevOps</a:t>
+            </a:r>
+            <a:r>
+              <a:rPr lang="en-US" altLang="ko-KR" sz="1400" dirty="0" smtClean="0"/>
+              <a:t> : </a:t>
+            </a:r>
+            <a:r>
+              <a:rPr lang="ko-KR" altLang="en-US" sz="1400" dirty="0" smtClean="0"/>
+              <a:t>하나의 시스템으로 구축하여 개발</a:t>
+            </a:r>
+            <a:r>
+              <a:rPr lang="en-US" altLang="ko-KR" sz="1400" dirty="0" smtClean="0"/>
+              <a:t>(develop)</a:t>
+            </a:r>
+            <a:r>
+              <a:rPr lang="ko-KR" altLang="en-US" sz="1400" dirty="0" smtClean="0"/>
+              <a:t>과 운영</a:t>
+            </a:r>
+            <a:r>
+              <a:rPr lang="en-US" altLang="ko-KR" sz="1400" dirty="0" smtClean="0"/>
+              <a:t>(Operation)</a:t>
+            </a:r>
+            <a:r>
+              <a:rPr lang="ko-KR" altLang="en-US" sz="1400" dirty="0" smtClean="0"/>
+              <a:t>을 모두 할 수 </a:t>
+            </a:r>
+            <a:r>
+              <a:rPr lang="ko-KR" altLang="en-US" sz="1400" dirty="0" err="1" smtClean="0"/>
+              <a:t>있도록한</a:t>
+            </a:r>
+            <a:r>
+              <a:rPr lang="ko-KR" altLang="en-US" sz="1400" dirty="0" smtClean="0"/>
+              <a:t> 시스템</a:t>
+            </a:r>
+            <a:endParaRPr lang="en-US" altLang="ko-KR" sz="1400" dirty="0" smtClean="0"/>
+          </a:p>
+          <a:p>
+            <a:r>
+              <a:rPr lang="en-US" altLang="ko-KR" sz="1400" dirty="0" smtClean="0">
+                <a:solidFill>
+                  <a:srgbClr val="FF0000"/>
+                </a:solidFill>
+              </a:rPr>
+              <a:t>CI</a:t>
+            </a:r>
+            <a:r>
+              <a:rPr lang="en-US" altLang="ko-KR" sz="1400" dirty="0" smtClean="0"/>
+              <a:t> : Continuous Integration</a:t>
+            </a:r>
+            <a:r>
+              <a:rPr lang="ko-KR" altLang="en-US" sz="1400" dirty="0" smtClean="0"/>
+              <a:t>의 약자로 </a:t>
+            </a:r>
+            <a:r>
+              <a:rPr lang="en-US" altLang="ko-KR" sz="1400" dirty="0" smtClean="0"/>
+              <a:t>DevOps </a:t>
+            </a:r>
+            <a:r>
+              <a:rPr lang="ko-KR" altLang="en-US" sz="1400" dirty="0" smtClean="0"/>
+              <a:t>시스템이 가동되면</a:t>
+            </a:r>
+            <a:r>
+              <a:rPr lang="en-US" altLang="ko-KR" sz="1400" dirty="0" smtClean="0"/>
+              <a:t>, </a:t>
+            </a:r>
+            <a:r>
+              <a:rPr lang="ko-KR" altLang="en-US" sz="1400" dirty="0" smtClean="0"/>
+              <a:t>지속적으로 변화되는 요소들을 공유하면서 통합됨을 의미</a:t>
+            </a:r>
+            <a:endParaRPr lang="en-US" altLang="ko-KR" sz="1400" dirty="0" smtClean="0"/>
+          </a:p>
+          <a:p>
+            <a:r>
+              <a:rPr lang="en-US" altLang="ko-KR" sz="1400" dirty="0" smtClean="0">
+                <a:solidFill>
+                  <a:srgbClr val="FF0000"/>
+                </a:solidFill>
+              </a:rPr>
+              <a:t>CD</a:t>
+            </a:r>
+            <a:r>
+              <a:rPr lang="en-US" altLang="ko-KR" sz="1400" dirty="0" smtClean="0"/>
+              <a:t> : Continuous Deployment</a:t>
+            </a:r>
+            <a:r>
+              <a:rPr lang="ko-KR" altLang="en-US" sz="1400" dirty="0" smtClean="0"/>
+              <a:t>의 약자로 </a:t>
+            </a:r>
+            <a:r>
+              <a:rPr lang="en-US" altLang="ko-KR" sz="1400" dirty="0" smtClean="0"/>
+              <a:t>DevOps </a:t>
+            </a:r>
+            <a:r>
+              <a:rPr lang="ko-KR" altLang="en-US" sz="1400" dirty="0" smtClean="0"/>
+              <a:t>시스템이 가동되면</a:t>
+            </a:r>
+            <a:r>
+              <a:rPr lang="en-US" altLang="ko-KR" sz="1400" dirty="0" smtClean="0"/>
+              <a:t>, </a:t>
+            </a:r>
+            <a:r>
+              <a:rPr lang="ko-KR" altLang="en-US" sz="1400" dirty="0" smtClean="0"/>
+              <a:t>이슈를 반영하여 지속적으로 다시 </a:t>
+            </a:r>
+            <a:r>
+              <a:rPr lang="ko-KR" altLang="en-US" sz="1400" dirty="0" err="1" smtClean="0"/>
+              <a:t>재배포를</a:t>
+            </a:r>
+            <a:r>
+              <a:rPr lang="ko-KR" altLang="en-US" sz="1400" dirty="0" smtClean="0"/>
+              <a:t> 하게 됨을 의미</a:t>
+            </a:r>
+            <a:endParaRPr lang="en-US" altLang="ko-KR" sz="1400" dirty="0" smtClean="0"/>
+          </a:p>
+          <a:p>
+            <a:r>
+              <a:rPr lang="en-US" altLang="ko-KR" sz="1400" dirty="0" smtClean="0">
+                <a:solidFill>
+                  <a:srgbClr val="FF0000"/>
+                </a:solidFill>
+              </a:rPr>
+              <a:t>Micro </a:t>
+            </a:r>
+            <a:r>
+              <a:rPr lang="en-US" altLang="ko-KR" sz="1400" dirty="0" smtClean="0">
+                <a:solidFill>
+                  <a:srgbClr val="FF0000"/>
+                </a:solidFill>
+              </a:rPr>
+              <a:t>Service </a:t>
+            </a:r>
+            <a:r>
+              <a:rPr lang="en-US" altLang="ko-KR" sz="1400" dirty="0" smtClean="0">
+                <a:solidFill>
+                  <a:srgbClr val="FF0000"/>
+                </a:solidFill>
+              </a:rPr>
+              <a:t>Architecture</a:t>
+            </a:r>
+            <a:r>
+              <a:rPr lang="en-US" altLang="ko-KR" sz="1400" dirty="0" smtClean="0"/>
+              <a:t> </a:t>
+            </a:r>
+            <a:r>
+              <a:rPr lang="en-US" altLang="ko-KR" sz="1400" dirty="0" smtClean="0"/>
+              <a:t>: </a:t>
+            </a:r>
+            <a:r>
+              <a:rPr lang="ko-KR" altLang="en-US" sz="1400" dirty="0" smtClean="0"/>
+              <a:t>대규모 서비스는 </a:t>
+            </a:r>
+            <a:r>
+              <a:rPr lang="ko-KR" altLang="en-US" sz="1400" dirty="0" err="1" smtClean="0"/>
+              <a:t>클라우드</a:t>
+            </a:r>
+            <a:r>
+              <a:rPr lang="ko-KR" altLang="en-US" sz="1400" dirty="0" smtClean="0"/>
+              <a:t> 시스템에 적용하는 경우 속도나 </a:t>
+            </a:r>
+            <a:r>
+              <a:rPr lang="ko-KR" altLang="en-US" sz="1400" dirty="0" err="1" smtClean="0"/>
+              <a:t>성능면에서</a:t>
+            </a:r>
+            <a:r>
+              <a:rPr lang="ko-KR" altLang="en-US" sz="1400" dirty="0" smtClean="0"/>
+              <a:t> 많이 뒤떨어지고</a:t>
+            </a:r>
+            <a:r>
+              <a:rPr lang="en-US" altLang="ko-KR" sz="1400" dirty="0" smtClean="0"/>
+              <a:t>, </a:t>
+            </a:r>
+            <a:r>
+              <a:rPr lang="ko-KR" altLang="en-US" sz="1400" dirty="0" smtClean="0"/>
+              <a:t>개발에 있어 계속 바뀌는 요청사항이나 이슈에 대처하기가 힘이 들므로</a:t>
+            </a:r>
+            <a:r>
+              <a:rPr lang="en-US" altLang="ko-KR" sz="1400" dirty="0" smtClean="0"/>
+              <a:t>, </a:t>
+            </a:r>
+            <a:r>
+              <a:rPr lang="ko-KR" altLang="en-US" sz="1400" dirty="0" smtClean="0"/>
+              <a:t>서비스들을 소규모로 분할하여 시스템에 적용시키도록 하는 것을 </a:t>
+            </a:r>
+            <a:r>
+              <a:rPr lang="ko-KR" altLang="en-US" sz="1400" dirty="0" smtClean="0"/>
+              <a:t>말함</a:t>
+            </a:r>
+            <a:r>
+              <a:rPr lang="en-US" altLang="ko-KR" sz="1400" dirty="0" smtClean="0"/>
+              <a:t>(MSA)</a:t>
+            </a:r>
+            <a:endParaRPr lang="en-US" altLang="ko-KR" sz="1400" dirty="0" smtClean="0"/>
+          </a:p>
+          <a:p>
+            <a:r>
+              <a:rPr lang="en-US" altLang="ko-KR" sz="1400" dirty="0" smtClean="0">
+                <a:solidFill>
+                  <a:srgbClr val="FF0000"/>
+                </a:solidFill>
+              </a:rPr>
+              <a:t>Compose</a:t>
+            </a:r>
+            <a:r>
+              <a:rPr lang="en-US" altLang="ko-KR" sz="1400" dirty="0" smtClean="0"/>
+              <a:t> : </a:t>
+            </a:r>
+            <a:r>
+              <a:rPr lang="ko-KR" altLang="en-US" sz="1400" dirty="0" smtClean="0"/>
+              <a:t>하나의 시스템을 구성하는 것을 말함</a:t>
+            </a:r>
+            <a:endParaRPr lang="en-US" altLang="ko-KR" sz="1400" dirty="0" smtClean="0"/>
+          </a:p>
+          <a:p>
+            <a:r>
+              <a:rPr lang="en-US" altLang="ko-KR" sz="1400" dirty="0" smtClean="0">
+                <a:solidFill>
+                  <a:srgbClr val="FF0000"/>
+                </a:solidFill>
+              </a:rPr>
+              <a:t>Container</a:t>
+            </a:r>
+            <a:r>
+              <a:rPr lang="en-US" altLang="ko-KR" sz="1400" dirty="0" smtClean="0"/>
+              <a:t> : DevOps</a:t>
+            </a:r>
+            <a:r>
+              <a:rPr lang="ko-KR" altLang="en-US" sz="1400" dirty="0" smtClean="0"/>
+              <a:t>에 필요한 요소들을 하나의 컨테이너 박스에 담도록 하는 것을 말함</a:t>
+            </a:r>
+            <a:endParaRPr lang="en-US" altLang="ko-KR" sz="1400" dirty="0" smtClean="0"/>
+          </a:p>
+          <a:p>
+            <a:r>
+              <a:rPr lang="en-US" altLang="ko-KR" sz="1400" dirty="0" smtClean="0">
+                <a:solidFill>
+                  <a:srgbClr val="FF0000"/>
+                </a:solidFill>
+              </a:rPr>
+              <a:t>Images</a:t>
+            </a:r>
+            <a:r>
+              <a:rPr lang="en-US" altLang="ko-KR" sz="1400" dirty="0" smtClean="0"/>
+              <a:t> : DevOps</a:t>
+            </a:r>
+            <a:r>
+              <a:rPr lang="ko-KR" altLang="en-US" sz="1400" dirty="0" smtClean="0"/>
+              <a:t>에 필요한 요소들을 하나로 압축하거나 독립적으로 분리한 압축파일 형태</a:t>
+            </a:r>
+            <a:endParaRPr lang="ko-KR" altLang="en-US" sz="1400" dirty="0"/>
+          </a:p>
+        </p:txBody>
+      </p:sp>
+      <p:pic>
+        <p:nvPicPr>
+          <p:cNvPr id="5122" name="Picture 2" descr="AWS] Jenkins를 활용한 Docker x SpringBoot CI/CD 구축"/>
+          <p:cNvPicPr>
+            <a:picLocks noChangeAspect="1" noChangeArrowheads="1"/>
+          </p:cNvPicPr>
+          <p:nvPr/>
+        </p:nvPicPr>
+        <p:blipFill>
+          <a:blip r:embed="rId2">
+            <a:extLst>
+              <a:ext uri="{28A0092B-C50C-407E-A947-70E740481C1C}">
+                <a14:useLocalDpi xmlns:a14="http://schemas.microsoft.com/office/drawing/2010/main" val="0"/>
+              </a:ext>
+            </a:extLst>
+          </a:blip>
+          <a:srcRect/>
+          <a:stretch>
+            <a:fillRect/>
+          </a:stretch>
+        </p:blipFill>
+        <p:spPr bwMode="auto">
+          <a:xfrm>
+            <a:off x="372105" y="1769860"/>
+            <a:ext cx="6836627" cy="3646201"/>
+          </a:xfrm>
+          <a:prstGeom prst="rect">
+            <a:avLst/>
+          </a:prstGeom>
+          <a:noFill/>
+          <a:extLst>
+            <a:ext uri="{909E8E84-426E-40DD-AFC4-6F175D3DCCD1}">
+              <a14:hiddenFill xmlns:a14="http://schemas.microsoft.com/office/drawing/2010/main">
+                <a:solidFill>
+                  <a:srgbClr val="FFFFFF"/>
+                </a:solidFill>
+              </a14:hiddenFill>
+            </a:ext>
+          </a:extLst>
+        </p:spPr>
+      </p:pic>
+    </p:spTree>
+    <p:extLst>
+      <p:ext uri="{BB962C8B-B14F-4D97-AF65-F5344CB8AC3E}">
+        <p14:creationId xmlns:p14="http://schemas.microsoft.com/office/powerpoint/2010/main" val="3853091870"/>
       </p:ext>
     </p:extLst>
   </p:cSld>
